--- a/docs/Lidar-for-Molecular-Scattering-Simulation.pptx
+++ b/docs/Lidar-for-Molecular-Scattering-Simulation.pptx
@@ -12,7 +12,9 @@
     <p:sldId id="259" r:id="rId6"/>
     <p:sldId id="260" r:id="rId7"/>
     <p:sldId id="261" r:id="rId8"/>
-    <p:sldId id="256" r:id="rId9"/>
+    <p:sldId id="264" r:id="rId9"/>
+    <p:sldId id="256" r:id="rId10"/>
+    <p:sldId id="265" r:id="rId11"/>
   </p:sldIdLst>
   <p:sldSz cx="12192000" cy="6858000"/>
   <p:notesSz cx="6858000" cy="9144000"/>
@@ -123,11 +125,13 @@
             <p14:sldId id="259"/>
             <p14:sldId id="260"/>
             <p14:sldId id="261"/>
+            <p14:sldId id="264"/>
           </p14:sldIdLst>
         </p14:section>
         <p14:section name="Backup" id="{8EA4B286-0CBC-4A5D-89A6-CD35D27399E1}">
           <p14:sldIdLst>
             <p14:sldId id="256"/>
+            <p14:sldId id="265"/>
           </p14:sldIdLst>
         </p14:section>
       </p14:sectionLst>
@@ -286,7 +290,7 @@
           <a:p>
             <a:fld id="{6E95A165-01C6-496F-8936-852CCEC83CED}" type="datetimeFigureOut">
               <a:rPr lang="zh-CN" altLang="en-US" smtClean="0"/>
-              <a:t>2024/1/29</a:t>
+              <a:t>2024/3/13</a:t>
             </a:fld>
             <a:endParaRPr lang="zh-CN" altLang="en-US"/>
           </a:p>
@@ -484,7 +488,7 @@
           <a:p>
             <a:fld id="{6E95A165-01C6-496F-8936-852CCEC83CED}" type="datetimeFigureOut">
               <a:rPr lang="zh-CN" altLang="en-US" smtClean="0"/>
-              <a:t>2024/1/29</a:t>
+              <a:t>2024/3/13</a:t>
             </a:fld>
             <a:endParaRPr lang="zh-CN" altLang="en-US"/>
           </a:p>
@@ -692,7 +696,7 @@
           <a:p>
             <a:fld id="{6E95A165-01C6-496F-8936-852CCEC83CED}" type="datetimeFigureOut">
               <a:rPr lang="zh-CN" altLang="en-US" smtClean="0"/>
-              <a:t>2024/1/29</a:t>
+              <a:t>2024/3/13</a:t>
             </a:fld>
             <a:endParaRPr lang="zh-CN" altLang="en-US"/>
           </a:p>
@@ -890,7 +894,7 @@
           <a:p>
             <a:fld id="{6E95A165-01C6-496F-8936-852CCEC83CED}" type="datetimeFigureOut">
               <a:rPr lang="zh-CN" altLang="en-US" smtClean="0"/>
-              <a:t>2024/1/29</a:t>
+              <a:t>2024/3/13</a:t>
             </a:fld>
             <a:endParaRPr lang="zh-CN" altLang="en-US"/>
           </a:p>
@@ -1165,7 +1169,7 @@
           <a:p>
             <a:fld id="{6E95A165-01C6-496F-8936-852CCEC83CED}" type="datetimeFigureOut">
               <a:rPr lang="zh-CN" altLang="en-US" smtClean="0"/>
-              <a:t>2024/1/29</a:t>
+              <a:t>2024/3/13</a:t>
             </a:fld>
             <a:endParaRPr lang="zh-CN" altLang="en-US"/>
           </a:p>
@@ -1430,7 +1434,7 @@
           <a:p>
             <a:fld id="{6E95A165-01C6-496F-8936-852CCEC83CED}" type="datetimeFigureOut">
               <a:rPr lang="zh-CN" altLang="en-US" smtClean="0"/>
-              <a:t>2024/1/29</a:t>
+              <a:t>2024/3/13</a:t>
             </a:fld>
             <a:endParaRPr lang="zh-CN" altLang="en-US"/>
           </a:p>
@@ -1842,7 +1846,7 @@
           <a:p>
             <a:fld id="{6E95A165-01C6-496F-8936-852CCEC83CED}" type="datetimeFigureOut">
               <a:rPr lang="zh-CN" altLang="en-US" smtClean="0"/>
-              <a:t>2024/1/29</a:t>
+              <a:t>2024/3/13</a:t>
             </a:fld>
             <a:endParaRPr lang="zh-CN" altLang="en-US"/>
           </a:p>
@@ -1983,7 +1987,7 @@
           <a:p>
             <a:fld id="{6E95A165-01C6-496F-8936-852CCEC83CED}" type="datetimeFigureOut">
               <a:rPr lang="zh-CN" altLang="en-US" smtClean="0"/>
-              <a:t>2024/1/29</a:t>
+              <a:t>2024/3/13</a:t>
             </a:fld>
             <a:endParaRPr lang="zh-CN" altLang="en-US"/>
           </a:p>
@@ -2096,7 +2100,7 @@
           <a:p>
             <a:fld id="{6E95A165-01C6-496F-8936-852CCEC83CED}" type="datetimeFigureOut">
               <a:rPr lang="zh-CN" altLang="en-US" smtClean="0"/>
-              <a:t>2024/1/29</a:t>
+              <a:t>2024/3/13</a:t>
             </a:fld>
             <a:endParaRPr lang="zh-CN" altLang="en-US"/>
           </a:p>
@@ -2407,7 +2411,7 @@
           <a:p>
             <a:fld id="{6E95A165-01C6-496F-8936-852CCEC83CED}" type="datetimeFigureOut">
               <a:rPr lang="zh-CN" altLang="en-US" smtClean="0"/>
-              <a:t>2024/1/29</a:t>
+              <a:t>2024/3/13</a:t>
             </a:fld>
             <a:endParaRPr lang="zh-CN" altLang="en-US"/>
           </a:p>
@@ -2695,7 +2699,7 @@
           <a:p>
             <a:fld id="{6E95A165-01C6-496F-8936-852CCEC83CED}" type="datetimeFigureOut">
               <a:rPr lang="zh-CN" altLang="en-US" smtClean="0"/>
-              <a:t>2024/1/29</a:t>
+              <a:t>2024/3/13</a:t>
             </a:fld>
             <a:endParaRPr lang="zh-CN" altLang="en-US"/>
           </a:p>
@@ -2936,7 +2940,7 @@
           <a:p>
             <a:fld id="{6E95A165-01C6-496F-8936-852CCEC83CED}" type="datetimeFigureOut">
               <a:rPr lang="zh-CN" altLang="en-US" smtClean="0"/>
-              <a:t>2024/1/29</a:t>
+              <a:t>2024/3/13</a:t>
             </a:fld>
             <a:endParaRPr lang="zh-CN" altLang="en-US"/>
           </a:p>
@@ -3434,6 +3438,97 @@
 </p:sld>
 </file>
 
+<file path=ppt/slides/slide10.xml><?xml version="1.0" encoding="utf-8"?>
+<p:sld xmlns:a="http://schemas.openxmlformats.org/drawingml/2006/main" xmlns:r="http://schemas.openxmlformats.org/officeDocument/2006/relationships" xmlns:p="http://schemas.openxmlformats.org/presentationml/2006/main">
+  <p:cSld>
+    <p:spTree>
+      <p:nvGrpSpPr>
+        <p:cNvPr id="1" name=""/>
+        <p:cNvGrpSpPr/>
+        <p:nvPr/>
+      </p:nvGrpSpPr>
+      <p:grpSpPr>
+        <a:xfrm>
+          <a:off x="0" y="0"/>
+          <a:ext cx="0" cy="0"/>
+          <a:chOff x="0" y="0"/>
+          <a:chExt cx="0" cy="0"/>
+        </a:xfrm>
+      </p:grpSpPr>
+      <p:sp>
+        <p:nvSpPr>
+          <p:cNvPr id="2" name="标题 1">
+            <a:extLst>
+              <a:ext uri="{FF2B5EF4-FFF2-40B4-BE49-F238E27FC236}">
+                <a16:creationId xmlns:a16="http://schemas.microsoft.com/office/drawing/2014/main" id="{3DFE938B-A175-E0E8-5C2C-ED8B6648E1A5}"/>
+              </a:ext>
+            </a:extLst>
+          </p:cNvPr>
+          <p:cNvSpPr>
+            <a:spLocks noGrp="1"/>
+          </p:cNvSpPr>
+          <p:nvPr>
+            <p:ph type="title"/>
+          </p:nvPr>
+        </p:nvSpPr>
+        <p:spPr/>
+        <p:txBody>
+          <a:bodyPr>
+            <a:normAutofit/>
+          </a:bodyPr>
+          <a:lstStyle/>
+          <a:p>
+            <a:r>
+              <a:rPr lang="en-US" altLang="zh-CN" sz="4000" dirty="0"/>
+              <a:t>1064 nm vibrational-rotational Raman spectra</a:t>
+            </a:r>
+            <a:endParaRPr lang="zh-CN" altLang="en-US" sz="4000" dirty="0"/>
+          </a:p>
+        </p:txBody>
+      </p:sp>
+      <p:pic>
+        <p:nvPicPr>
+          <p:cNvPr id="8" name="图片 7">
+            <a:extLst>
+              <a:ext uri="{FF2B5EF4-FFF2-40B4-BE49-F238E27FC236}">
+                <a16:creationId xmlns:a16="http://schemas.microsoft.com/office/drawing/2014/main" id="{2169767B-24DC-464B-D216-9594A221CF14}"/>
+              </a:ext>
+            </a:extLst>
+          </p:cNvPr>
+          <p:cNvPicPr>
+            <a:picLocks noChangeAspect="1"/>
+          </p:cNvPicPr>
+          <p:nvPr/>
+        </p:nvPicPr>
+        <p:blipFill>
+          <a:blip r:embed="rId2"/>
+          <a:stretch>
+            <a:fillRect/>
+          </a:stretch>
+        </p:blipFill>
+        <p:spPr>
+          <a:xfrm>
+            <a:off x="3099901" y="1988110"/>
+            <a:ext cx="5647859" cy="3505568"/>
+          </a:xfrm>
+          <a:prstGeom prst="rect">
+            <a:avLst/>
+          </a:prstGeom>
+        </p:spPr>
+      </p:pic>
+    </p:spTree>
+    <p:extLst>
+      <p:ext uri="{BB962C8B-B14F-4D97-AF65-F5344CB8AC3E}">
+        <p14:creationId xmlns:p14="http://schemas.microsoft.com/office/powerpoint/2010/main" val="3928580561"/>
+      </p:ext>
+    </p:extLst>
+  </p:cSld>
+  <p:clrMapOvr>
+    <a:masterClrMapping/>
+  </p:clrMapOvr>
+</p:sld>
+</file>
+
 <file path=ppt/slides/slide2.xml><?xml version="1.0" encoding="utf-8"?>
 <p:sld xmlns:a="http://schemas.openxmlformats.org/drawingml/2006/main" xmlns:r="http://schemas.openxmlformats.org/officeDocument/2006/relationships" xmlns:p="http://schemas.openxmlformats.org/presentationml/2006/main">
   <p:cSld>
@@ -4643,8 +4738,8 @@
         </p:nvSpPr>
         <p:spPr>
           <a:xfrm>
-            <a:off x="425450" y="5637602"/>
-            <a:ext cx="11766550" cy="1477328"/>
+            <a:off x="425450" y="5828102"/>
+            <a:ext cx="11766550" cy="830997"/>
           </a:xfrm>
           <a:prstGeom prst="rect">
             <a:avLst/>
@@ -4658,33 +4753,27 @@
           <a:lstStyle/>
           <a:p>
             <a:r>
-              <a:rPr lang="zh-CN" altLang="en-US" dirty="0"/>
+              <a:rPr lang="zh-CN" altLang="en-US" sz="1600" dirty="0"/>
               <a:t>原理参考：</a:t>
             </a:r>
             <a:r>
-              <a:rPr lang="en-US" altLang="zh-CN" sz="1800" dirty="0">
+              <a:rPr lang="en-US" altLang="zh-CN" sz="1600" dirty="0">
                 <a:latin typeface="Segoe UI" panose="020B0502040204020203" pitchFamily="34" charset="0"/>
               </a:rPr>
               <a:t>Liu, F.; Yi, F.; He, Y.; Yin, Z.; Zhang, Y.; Yu, C. Spectrally Resolved Raman Lidar to Measure Backscatter Spectra of Atmospheric Three-Phase Water and Fluorescent Aerosols Simultaneously: Instrument, Methodology, and Preliminary Results. </a:t>
             </a:r>
             <a:r>
-              <a:rPr lang="en-US" altLang="zh-CN" sz="1800" i="1" dirty="0">
+              <a:rPr lang="en-US" altLang="zh-CN" sz="1600" i="1" dirty="0">
                 <a:latin typeface="Segoe UI" panose="020B0502040204020203" pitchFamily="34" charset="0"/>
               </a:rPr>
               <a:t>IEEE Transactions on Geoscience and Remote Sensing </a:t>
             </a:r>
             <a:r>
-              <a:rPr lang="en-US" altLang="zh-CN" sz="1800" b="1" i="1" dirty="0">
+              <a:rPr lang="en-US" altLang="zh-CN" sz="1600" b="1" i="1" dirty="0">
                 <a:latin typeface="Segoe UI" panose="020B0502040204020203" pitchFamily="34" charset="0"/>
               </a:rPr>
               <a:t>2022, 60, 1-13, doi:10.1109/TGRS.2022.3166191.</a:t>
             </a:r>
-          </a:p>
-          <a:p>
-            <a:pPr marR="0"/>
-            <a:endParaRPr lang="en-US" altLang="zh-CN" sz="1800" b="1" i="1" dirty="0">
-              <a:latin typeface="Segoe UI" panose="020B0502040204020203" pitchFamily="34" charset="0"/>
-            </a:endParaRPr>
           </a:p>
         </p:txBody>
       </p:sp>
@@ -4723,7 +4812,7 @@
           <p:cNvPr id="2" name="标题 1">
             <a:extLst>
               <a:ext uri="{FF2B5EF4-FFF2-40B4-BE49-F238E27FC236}">
-                <a16:creationId xmlns:a16="http://schemas.microsoft.com/office/drawing/2014/main" id="{1E23E34B-BB88-3D72-257B-953C429876AA}"/>
+                <a16:creationId xmlns:a16="http://schemas.microsoft.com/office/drawing/2014/main" id="{E7FA0FDA-13FB-FB65-54F6-904B50AA150B}"/>
               </a:ext>
             </a:extLst>
           </p:cNvPr>
@@ -4734,15 +4823,440 @@
             <p:ph type="title"/>
           </p:nvPr>
         </p:nvSpPr>
-        <p:spPr/>
-        <p:txBody>
-          <a:bodyPr/>
-          <a:lstStyle/>
-          <a:p>
-            <a:endParaRPr lang="zh-CN" altLang="en-US"/>
-          </a:p>
-        </p:txBody>
-      </p:sp>
+        <p:spPr>
+          <a:xfrm>
+            <a:off x="838200" y="66675"/>
+            <a:ext cx="10515600" cy="1325563"/>
+          </a:xfrm>
+        </p:spPr>
+        <p:txBody>
+          <a:bodyPr/>
+          <a:lstStyle/>
+          <a:p>
+            <a:r>
+              <a:rPr lang="en-US" altLang="zh-CN" dirty="0"/>
+              <a:t>Full Spectrum of Molecular Scattering</a:t>
+            </a:r>
+            <a:endParaRPr lang="zh-CN" altLang="en-US" dirty="0"/>
+          </a:p>
+        </p:txBody>
+      </p:sp>
+      <p:pic>
+        <p:nvPicPr>
+          <p:cNvPr id="9" name="内容占位符 8">
+            <a:extLst>
+              <a:ext uri="{FF2B5EF4-FFF2-40B4-BE49-F238E27FC236}">
+                <a16:creationId xmlns:a16="http://schemas.microsoft.com/office/drawing/2014/main" id="{B06B810C-00B7-6FDB-691A-DB86ADEC5FF7}"/>
+              </a:ext>
+            </a:extLst>
+          </p:cNvPr>
+          <p:cNvPicPr>
+            <a:picLocks noGrp="1" noChangeAspect="1"/>
+          </p:cNvPicPr>
+          <p:nvPr>
+            <p:ph idx="1"/>
+          </p:nvPr>
+        </p:nvPicPr>
+        <p:blipFill>
+          <a:blip r:embed="rId2">
+            <a:extLst>
+              <a:ext uri="{28A0092B-C50C-407E-A947-70E740481C1C}">
+                <a14:useLocalDpi xmlns:a14="http://schemas.microsoft.com/office/drawing/2010/main" val="0"/>
+              </a:ext>
+            </a:extLst>
+          </a:blip>
+          <a:stretch>
+            <a:fillRect/>
+          </a:stretch>
+        </p:blipFill>
+        <p:spPr>
+          <a:xfrm>
+            <a:off x="1863591" y="1464847"/>
+            <a:ext cx="8715509" cy="5132276"/>
+          </a:xfrm>
+        </p:spPr>
+      </p:pic>
+      <p:grpSp>
+        <p:nvGrpSpPr>
+          <p:cNvPr id="12" name="组合 11">
+            <a:extLst>
+              <a:ext uri="{FF2B5EF4-FFF2-40B4-BE49-F238E27FC236}">
+                <a16:creationId xmlns:a16="http://schemas.microsoft.com/office/drawing/2014/main" id="{95499566-8DA0-06AC-E0BB-8FE1A0E8BF20}"/>
+              </a:ext>
+            </a:extLst>
+          </p:cNvPr>
+          <p:cNvGrpSpPr/>
+          <p:nvPr/>
+        </p:nvGrpSpPr>
+        <p:grpSpPr>
+          <a:xfrm>
+            <a:off x="2749550" y="1716602"/>
+            <a:ext cx="895350" cy="4271448"/>
+            <a:chOff x="2736850" y="1742002"/>
+            <a:chExt cx="895350" cy="4271448"/>
+          </a:xfrm>
+        </p:grpSpPr>
+        <p:sp>
+          <p:nvSpPr>
+            <p:cNvPr id="10" name="文本框 9">
+              <a:extLst>
+                <a:ext uri="{FF2B5EF4-FFF2-40B4-BE49-F238E27FC236}">
+                  <a16:creationId xmlns:a16="http://schemas.microsoft.com/office/drawing/2014/main" id="{FF2DFDBE-C39F-022E-3FB0-E3D14043EBC5}"/>
+                </a:ext>
+              </a:extLst>
+            </p:cNvPr>
+            <p:cNvSpPr txBox="1"/>
+            <p:nvPr/>
+          </p:nvSpPr>
+          <p:spPr>
+            <a:xfrm>
+              <a:off x="2786819" y="1742002"/>
+              <a:ext cx="795411" cy="307777"/>
+            </a:xfrm>
+            <a:prstGeom prst="rect">
+              <a:avLst/>
+            </a:prstGeom>
+            <a:noFill/>
+          </p:spPr>
+          <p:txBody>
+            <a:bodyPr wrap="none" rtlCol="0">
+              <a:spAutoFit/>
+            </a:bodyPr>
+            <a:lstStyle/>
+            <a:p>
+              <a:r>
+                <a:rPr lang="en-US" altLang="zh-CN" sz="1400" b="1" dirty="0">
+                  <a:solidFill>
+                    <a:srgbClr val="00B0F0"/>
+                  </a:solidFill>
+                </a:rPr>
+                <a:t>355 nm</a:t>
+              </a:r>
+              <a:endParaRPr lang="zh-CN" altLang="en-US" sz="1400" b="1" dirty="0">
+                <a:solidFill>
+                  <a:srgbClr val="00B0F0"/>
+                </a:solidFill>
+              </a:endParaRPr>
+            </a:p>
+          </p:txBody>
+        </p:sp>
+        <p:sp>
+          <p:nvSpPr>
+            <p:cNvPr id="11" name="矩形 10">
+              <a:extLst>
+                <a:ext uri="{FF2B5EF4-FFF2-40B4-BE49-F238E27FC236}">
+                  <a16:creationId xmlns:a16="http://schemas.microsoft.com/office/drawing/2014/main" id="{05539D96-CE4E-3E91-8D3D-019DD25CE8F9}"/>
+                </a:ext>
+              </a:extLst>
+            </p:cNvPr>
+            <p:cNvSpPr/>
+            <p:nvPr/>
+          </p:nvSpPr>
+          <p:spPr>
+            <a:xfrm>
+              <a:off x="2736850" y="1993900"/>
+              <a:ext cx="895350" cy="4019550"/>
+            </a:xfrm>
+            <a:prstGeom prst="rect">
+              <a:avLst/>
+            </a:prstGeom>
+            <a:noFill/>
+            <a:ln w="28575">
+              <a:solidFill>
+                <a:srgbClr val="00B0F0"/>
+              </a:solidFill>
+            </a:ln>
+          </p:spPr>
+          <p:style>
+            <a:lnRef idx="2">
+              <a:schemeClr val="accent1">
+                <a:shade val="15000"/>
+              </a:schemeClr>
+            </a:lnRef>
+            <a:fillRef idx="1">
+              <a:schemeClr val="accent1"/>
+            </a:fillRef>
+            <a:effectRef idx="0">
+              <a:schemeClr val="accent1"/>
+            </a:effectRef>
+            <a:fontRef idx="minor">
+              <a:schemeClr val="lt1"/>
+            </a:fontRef>
+          </p:style>
+          <p:txBody>
+            <a:bodyPr rtlCol="0" anchor="ctr"/>
+            <a:lstStyle/>
+            <a:p>
+              <a:pPr algn="ctr"/>
+              <a:endParaRPr lang="zh-CN" altLang="en-US"/>
+            </a:p>
+          </p:txBody>
+        </p:sp>
+      </p:grpSp>
+      <p:grpSp>
+        <p:nvGrpSpPr>
+          <p:cNvPr id="13" name="组合 12">
+            <a:extLst>
+              <a:ext uri="{FF2B5EF4-FFF2-40B4-BE49-F238E27FC236}">
+                <a16:creationId xmlns:a16="http://schemas.microsoft.com/office/drawing/2014/main" id="{956A532A-E6D0-746E-3F02-13B09062D4C4}"/>
+              </a:ext>
+            </a:extLst>
+          </p:cNvPr>
+          <p:cNvGrpSpPr/>
+          <p:nvPr/>
+        </p:nvGrpSpPr>
+        <p:grpSpPr>
+          <a:xfrm>
+            <a:off x="4457700" y="1859892"/>
+            <a:ext cx="1231900" cy="4128158"/>
+            <a:chOff x="2736850" y="1885292"/>
+            <a:chExt cx="1231900" cy="4128158"/>
+          </a:xfrm>
+        </p:grpSpPr>
+        <p:sp>
+          <p:nvSpPr>
+            <p:cNvPr id="14" name="文本框 13">
+              <a:extLst>
+                <a:ext uri="{FF2B5EF4-FFF2-40B4-BE49-F238E27FC236}">
+                  <a16:creationId xmlns:a16="http://schemas.microsoft.com/office/drawing/2014/main" id="{C4CA5F45-C4DF-1882-A2FE-BF8E1B171FCB}"/>
+                </a:ext>
+              </a:extLst>
+            </p:cNvPr>
+            <p:cNvSpPr txBox="1"/>
+            <p:nvPr/>
+          </p:nvSpPr>
+          <p:spPr>
+            <a:xfrm>
+              <a:off x="2955094" y="1885292"/>
+              <a:ext cx="795411" cy="307777"/>
+            </a:xfrm>
+            <a:prstGeom prst="rect">
+              <a:avLst/>
+            </a:prstGeom>
+            <a:noFill/>
+          </p:spPr>
+          <p:txBody>
+            <a:bodyPr wrap="none" rtlCol="0">
+              <a:spAutoFit/>
+            </a:bodyPr>
+            <a:lstStyle/>
+            <a:p>
+              <a:r>
+                <a:rPr lang="en-US" altLang="zh-CN" sz="1400" b="1" dirty="0">
+                  <a:solidFill>
+                    <a:schemeClr val="accent6"/>
+                  </a:solidFill>
+                </a:rPr>
+                <a:t>532 nm</a:t>
+              </a:r>
+              <a:endParaRPr lang="zh-CN" altLang="en-US" sz="1400" b="1" dirty="0">
+                <a:solidFill>
+                  <a:schemeClr val="accent6"/>
+                </a:solidFill>
+              </a:endParaRPr>
+            </a:p>
+          </p:txBody>
+        </p:sp>
+        <p:sp>
+          <p:nvSpPr>
+            <p:cNvPr id="15" name="矩形 14">
+              <a:extLst>
+                <a:ext uri="{FF2B5EF4-FFF2-40B4-BE49-F238E27FC236}">
+                  <a16:creationId xmlns:a16="http://schemas.microsoft.com/office/drawing/2014/main" id="{8D657AEF-82F9-CF56-0ADA-D0AA6FDED80E}"/>
+                </a:ext>
+              </a:extLst>
+            </p:cNvPr>
+            <p:cNvSpPr/>
+            <p:nvPr/>
+          </p:nvSpPr>
+          <p:spPr>
+            <a:xfrm>
+              <a:off x="2736850" y="2147788"/>
+              <a:ext cx="1231900" cy="3865662"/>
+            </a:xfrm>
+            <a:prstGeom prst="rect">
+              <a:avLst/>
+            </a:prstGeom>
+            <a:noFill/>
+            <a:ln w="28575">
+              <a:solidFill>
+                <a:srgbClr val="70AD47"/>
+              </a:solidFill>
+            </a:ln>
+          </p:spPr>
+          <p:style>
+            <a:lnRef idx="2">
+              <a:schemeClr val="accent1">
+                <a:shade val="15000"/>
+              </a:schemeClr>
+            </a:lnRef>
+            <a:fillRef idx="1">
+              <a:schemeClr val="accent1"/>
+            </a:fillRef>
+            <a:effectRef idx="0">
+              <a:schemeClr val="accent1"/>
+            </a:effectRef>
+            <a:fontRef idx="minor">
+              <a:schemeClr val="lt1"/>
+            </a:fontRef>
+          </p:style>
+          <p:txBody>
+            <a:bodyPr rtlCol="0" anchor="ctr"/>
+            <a:lstStyle/>
+            <a:p>
+              <a:pPr algn="ctr"/>
+              <a:endParaRPr lang="zh-CN" altLang="en-US"/>
+            </a:p>
+          </p:txBody>
+        </p:sp>
+      </p:grpSp>
+      <p:grpSp>
+        <p:nvGrpSpPr>
+          <p:cNvPr id="16" name="组合 15">
+            <a:extLst>
+              <a:ext uri="{FF2B5EF4-FFF2-40B4-BE49-F238E27FC236}">
+                <a16:creationId xmlns:a16="http://schemas.microsoft.com/office/drawing/2014/main" id="{58DDD283-E7A0-3FE9-F238-01CB5334F37D}"/>
+              </a:ext>
+            </a:extLst>
+          </p:cNvPr>
+          <p:cNvGrpSpPr/>
+          <p:nvPr/>
+        </p:nvGrpSpPr>
+        <p:grpSpPr>
+          <a:xfrm>
+            <a:off x="9574138" y="2628900"/>
+            <a:ext cx="894798" cy="3359150"/>
+            <a:chOff x="3173338" y="2588114"/>
+            <a:chExt cx="894798" cy="3425336"/>
+          </a:xfrm>
+        </p:grpSpPr>
+        <p:sp>
+          <p:nvSpPr>
+            <p:cNvPr id="17" name="文本框 16">
+              <a:extLst>
+                <a:ext uri="{FF2B5EF4-FFF2-40B4-BE49-F238E27FC236}">
+                  <a16:creationId xmlns:a16="http://schemas.microsoft.com/office/drawing/2014/main" id="{0DCFE4B5-377B-A22E-296D-D48AA1430545}"/>
+                </a:ext>
+              </a:extLst>
+            </p:cNvPr>
+            <p:cNvSpPr txBox="1"/>
+            <p:nvPr/>
+          </p:nvSpPr>
+          <p:spPr>
+            <a:xfrm>
+              <a:off x="3173339" y="2913992"/>
+              <a:ext cx="894797" cy="307777"/>
+            </a:xfrm>
+            <a:prstGeom prst="rect">
+              <a:avLst/>
+            </a:prstGeom>
+            <a:noFill/>
+          </p:spPr>
+          <p:txBody>
+            <a:bodyPr wrap="none" rtlCol="0">
+              <a:spAutoFit/>
+            </a:bodyPr>
+            <a:lstStyle/>
+            <a:p>
+              <a:r>
+                <a:rPr lang="en-US" altLang="zh-CN" sz="1400" b="1" dirty="0">
+                  <a:solidFill>
+                    <a:srgbClr val="FF0000"/>
+                  </a:solidFill>
+                </a:rPr>
+                <a:t>1064 nm</a:t>
+              </a:r>
+              <a:endParaRPr lang="zh-CN" altLang="en-US" sz="1400" b="1" dirty="0">
+                <a:solidFill>
+                  <a:srgbClr val="FF0000"/>
+                </a:solidFill>
+              </a:endParaRPr>
+            </a:p>
+          </p:txBody>
+        </p:sp>
+        <p:sp>
+          <p:nvSpPr>
+            <p:cNvPr id="18" name="矩形 17">
+              <a:extLst>
+                <a:ext uri="{FF2B5EF4-FFF2-40B4-BE49-F238E27FC236}">
+                  <a16:creationId xmlns:a16="http://schemas.microsoft.com/office/drawing/2014/main" id="{CD3DACCE-557E-21B5-B98F-0C711F343DC8}"/>
+                </a:ext>
+              </a:extLst>
+            </p:cNvPr>
+            <p:cNvSpPr/>
+            <p:nvPr/>
+          </p:nvSpPr>
+          <p:spPr>
+            <a:xfrm>
+              <a:off x="3173338" y="2588114"/>
+              <a:ext cx="795412" cy="3425336"/>
+            </a:xfrm>
+            <a:prstGeom prst="rect">
+              <a:avLst/>
+            </a:prstGeom>
+            <a:noFill/>
+            <a:ln w="28575">
+              <a:solidFill>
+                <a:srgbClr val="FF0000"/>
+              </a:solidFill>
+            </a:ln>
+          </p:spPr>
+          <p:style>
+            <a:lnRef idx="2">
+              <a:schemeClr val="accent1">
+                <a:shade val="15000"/>
+              </a:schemeClr>
+            </a:lnRef>
+            <a:fillRef idx="1">
+              <a:schemeClr val="accent1"/>
+            </a:fillRef>
+            <a:effectRef idx="0">
+              <a:schemeClr val="accent1"/>
+            </a:effectRef>
+            <a:fontRef idx="minor">
+              <a:schemeClr val="lt1"/>
+            </a:fontRef>
+          </p:style>
+          <p:txBody>
+            <a:bodyPr rtlCol="0" anchor="ctr"/>
+            <a:lstStyle/>
+            <a:p>
+              <a:pPr algn="ctr"/>
+              <a:endParaRPr lang="zh-CN" altLang="en-US"/>
+            </a:p>
+          </p:txBody>
+        </p:sp>
+      </p:grpSp>
+    </p:spTree>
+    <p:extLst>
+      <p:ext uri="{BB962C8B-B14F-4D97-AF65-F5344CB8AC3E}">
+        <p14:creationId xmlns:p14="http://schemas.microsoft.com/office/powerpoint/2010/main" val="3178417995"/>
+      </p:ext>
+    </p:extLst>
+  </p:cSld>
+  <p:clrMapOvr>
+    <a:masterClrMapping/>
+  </p:clrMapOvr>
+</p:sld>
+</file>
+
+<file path=ppt/slides/slide9.xml><?xml version="1.0" encoding="utf-8"?>
+<p:sld xmlns:a="http://schemas.openxmlformats.org/drawingml/2006/main" xmlns:r="http://schemas.openxmlformats.org/officeDocument/2006/relationships" xmlns:p="http://schemas.openxmlformats.org/presentationml/2006/main">
+  <p:cSld>
+    <p:spTree>
+      <p:nvGrpSpPr>
+        <p:cNvPr id="1" name=""/>
+        <p:cNvGrpSpPr/>
+        <p:nvPr/>
+      </p:nvGrpSpPr>
+      <p:grpSpPr>
+        <a:xfrm>
+          <a:off x="0" y="0"/>
+          <a:ext cx="0" cy="0"/>
+          <a:chOff x="0" y="0"/>
+          <a:chExt cx="0" cy="0"/>
+        </a:xfrm>
+      </p:grpSpPr>
       <p:pic>
         <p:nvPicPr>
           <p:cNvPr id="4" name="图片 3">
@@ -4862,67 +5376,15 @@
         <a:srgbClr val="954F72"/>
       </a:folHlink>
     </a:clrScheme>
-    <a:fontScheme name="Office">
+    <a:fontScheme name="Arial">
       <a:majorFont>
-        <a:latin typeface="等线 Light" panose="020F0302020204030204"/>
+        <a:latin typeface="Arial" panose="020B0604020202020204"/>
         <a:ea typeface=""/>
         <a:cs typeface=""/>
-        <a:font script="Jpan" typeface="游ゴシック Light"/>
-        <a:font script="Hang" typeface="맑은 고딕"/>
-        <a:font script="Hans" typeface="等线 Light"/>
-        <a:font script="Hant" typeface="新細明體"/>
-        <a:font script="Arab" typeface="Times New Roman"/>
-        <a:font script="Hebr" typeface="Times New Roman"/>
-        <a:font script="Thai" typeface="Angsana New"/>
-        <a:font script="Ethi" typeface="Nyala"/>
-        <a:font script="Beng" typeface="Vrinda"/>
-        <a:font script="Gujr" typeface="Shruti"/>
-        <a:font script="Khmr" typeface="MoolBoran"/>
-        <a:font script="Knda" typeface="Tunga"/>
-        <a:font script="Guru" typeface="Raavi"/>
-        <a:font script="Cans" typeface="Euphemia"/>
-        <a:font script="Cher" typeface="Plantagenet Cherokee"/>
-        <a:font script="Yiii" typeface="Microsoft Yi Baiti"/>
-        <a:font script="Tibt" typeface="Microsoft Himalaya"/>
-        <a:font script="Thaa" typeface="MV Boli"/>
-        <a:font script="Deva" typeface="Mangal"/>
-        <a:font script="Telu" typeface="Gautami"/>
-        <a:font script="Taml" typeface="Latha"/>
-        <a:font script="Syrc" typeface="Estrangelo Edessa"/>
-        <a:font script="Orya" typeface="Kalinga"/>
-        <a:font script="Mlym" typeface="Kartika"/>
-        <a:font script="Laoo" typeface="DokChampa"/>
-        <a:font script="Sinh" typeface="Iskoola Pota"/>
-        <a:font script="Mong" typeface="Mongolian Baiti"/>
-        <a:font script="Viet" typeface="Times New Roman"/>
-        <a:font script="Uigh" typeface="Microsoft Uighur"/>
-        <a:font script="Geor" typeface="Sylfaen"/>
-        <a:font script="Armn" typeface="Arial"/>
-        <a:font script="Bugi" typeface="Leelawadee UI"/>
-        <a:font script="Bopo" typeface="Microsoft JhengHei"/>
-        <a:font script="Java" typeface="Javanese Text"/>
-        <a:font script="Lisu" typeface="Segoe UI"/>
-        <a:font script="Mymr" typeface="Myanmar Text"/>
-        <a:font script="Nkoo" typeface="Ebrima"/>
-        <a:font script="Olck" typeface="Nirmala UI"/>
-        <a:font script="Osma" typeface="Ebrima"/>
-        <a:font script="Phag" typeface="Phagspa"/>
-        <a:font script="Syrn" typeface="Estrangelo Edessa"/>
-        <a:font script="Syrj" typeface="Estrangelo Edessa"/>
-        <a:font script="Syre" typeface="Estrangelo Edessa"/>
-        <a:font script="Sora" typeface="Nirmala UI"/>
-        <a:font script="Tale" typeface="Microsoft Tai Le"/>
-        <a:font script="Talu" typeface="Microsoft New Tai Lue"/>
-        <a:font script="Tfng" typeface="Ebrima"/>
-      </a:majorFont>
-      <a:minorFont>
-        <a:latin typeface="等线" panose="020F0502020204030204"/>
-        <a:ea typeface=""/>
-        <a:cs typeface=""/>
-        <a:font script="Jpan" typeface="游ゴシック"/>
-        <a:font script="Hang" typeface="맑은 고딕"/>
-        <a:font script="Hans" typeface="等线"/>
-        <a:font script="Hant" typeface="新細明體"/>
+        <a:font script="Jpan" typeface="ＭＳ Ｐゴシック"/>
+        <a:font script="Hang" typeface="굴림"/>
+        <a:font script="Hans" typeface="黑体"/>
+        <a:font script="Hant" typeface="微軟正黑體"/>
         <a:font script="Arab" typeface="Arial"/>
         <a:font script="Hebr" typeface="Arial"/>
         <a:font script="Thai" typeface="Cordia New"/>
@@ -4949,23 +5411,41 @@
         <a:font script="Viet" typeface="Arial"/>
         <a:font script="Uigh" typeface="Microsoft Uighur"/>
         <a:font script="Geor" typeface="Sylfaen"/>
-        <a:font script="Armn" typeface="Arial"/>
-        <a:font script="Bugi" typeface="Leelawadee UI"/>
-        <a:font script="Bopo" typeface="Microsoft JhengHei"/>
-        <a:font script="Java" typeface="Javanese Text"/>
-        <a:font script="Lisu" typeface="Segoe UI"/>
-        <a:font script="Mymr" typeface="Myanmar Text"/>
-        <a:font script="Nkoo" typeface="Ebrima"/>
-        <a:font script="Olck" typeface="Nirmala UI"/>
-        <a:font script="Osma" typeface="Ebrima"/>
-        <a:font script="Phag" typeface="Phagspa"/>
-        <a:font script="Syrn" typeface="Estrangelo Edessa"/>
-        <a:font script="Syrj" typeface="Estrangelo Edessa"/>
-        <a:font script="Syre" typeface="Estrangelo Edessa"/>
-        <a:font script="Sora" typeface="Nirmala UI"/>
-        <a:font script="Tale" typeface="Microsoft Tai Le"/>
-        <a:font script="Talu" typeface="Microsoft New Tai Lue"/>
-        <a:font script="Tfng" typeface="Ebrima"/>
+      </a:majorFont>
+      <a:minorFont>
+        <a:latin typeface="Arial" panose="020B0604020202020204"/>
+        <a:ea typeface=""/>
+        <a:cs typeface=""/>
+        <a:font script="Jpan" typeface="ＭＳ Ｐゴシック"/>
+        <a:font script="Hang" typeface="굴림"/>
+        <a:font script="Hans" typeface="黑体"/>
+        <a:font script="Hant" typeface="微軟正黑體"/>
+        <a:font script="Arab" typeface="Arial"/>
+        <a:font script="Hebr" typeface="Arial"/>
+        <a:font script="Thai" typeface="Cordia New"/>
+        <a:font script="Ethi" typeface="Nyala"/>
+        <a:font script="Beng" typeface="Vrinda"/>
+        <a:font script="Gujr" typeface="Shruti"/>
+        <a:font script="Khmr" typeface="DaunPenh"/>
+        <a:font script="Knda" typeface="Tunga"/>
+        <a:font script="Guru" typeface="Raavi"/>
+        <a:font script="Cans" typeface="Euphemia"/>
+        <a:font script="Cher" typeface="Plantagenet Cherokee"/>
+        <a:font script="Yiii" typeface="Microsoft Yi Baiti"/>
+        <a:font script="Tibt" typeface="Microsoft Himalaya"/>
+        <a:font script="Thaa" typeface="MV Boli"/>
+        <a:font script="Deva" typeface="Mangal"/>
+        <a:font script="Telu" typeface="Gautami"/>
+        <a:font script="Taml" typeface="Latha"/>
+        <a:font script="Syrc" typeface="Estrangelo Edessa"/>
+        <a:font script="Orya" typeface="Kalinga"/>
+        <a:font script="Mlym" typeface="Kartika"/>
+        <a:font script="Laoo" typeface="DokChampa"/>
+        <a:font script="Sinh" typeface="Iskoola Pota"/>
+        <a:font script="Mong" typeface="Mongolian Baiti"/>
+        <a:font script="Viet" typeface="Arial"/>
+        <a:font script="Uigh" typeface="Microsoft Uighur"/>
+        <a:font script="Geor" typeface="Sylfaen"/>
       </a:minorFont>
     </a:fontScheme>
     <a:fmtScheme name="Office">

--- a/docs/Lidar-for-Molecular-Scattering-Simulation.pptx
+++ b/docs/Lidar-for-Molecular-Scattering-Simulation.pptx
@@ -290,7 +290,7 @@
           <a:p>
             <a:fld id="{6E95A165-01C6-496F-8936-852CCEC83CED}" type="datetimeFigureOut">
               <a:rPr lang="zh-CN" altLang="en-US" smtClean="0"/>
-              <a:t>2024/3/13</a:t>
+              <a:t>2024/4/23</a:t>
             </a:fld>
             <a:endParaRPr lang="zh-CN" altLang="en-US"/>
           </a:p>
@@ -488,7 +488,7 @@
           <a:p>
             <a:fld id="{6E95A165-01C6-496F-8936-852CCEC83CED}" type="datetimeFigureOut">
               <a:rPr lang="zh-CN" altLang="en-US" smtClean="0"/>
-              <a:t>2024/3/13</a:t>
+              <a:t>2024/4/23</a:t>
             </a:fld>
             <a:endParaRPr lang="zh-CN" altLang="en-US"/>
           </a:p>
@@ -696,7 +696,7 @@
           <a:p>
             <a:fld id="{6E95A165-01C6-496F-8936-852CCEC83CED}" type="datetimeFigureOut">
               <a:rPr lang="zh-CN" altLang="en-US" smtClean="0"/>
-              <a:t>2024/3/13</a:t>
+              <a:t>2024/4/23</a:t>
             </a:fld>
             <a:endParaRPr lang="zh-CN" altLang="en-US"/>
           </a:p>
@@ -894,7 +894,7 @@
           <a:p>
             <a:fld id="{6E95A165-01C6-496F-8936-852CCEC83CED}" type="datetimeFigureOut">
               <a:rPr lang="zh-CN" altLang="en-US" smtClean="0"/>
-              <a:t>2024/3/13</a:t>
+              <a:t>2024/4/23</a:t>
             </a:fld>
             <a:endParaRPr lang="zh-CN" altLang="en-US"/>
           </a:p>
@@ -1169,7 +1169,7 @@
           <a:p>
             <a:fld id="{6E95A165-01C6-496F-8936-852CCEC83CED}" type="datetimeFigureOut">
               <a:rPr lang="zh-CN" altLang="en-US" smtClean="0"/>
-              <a:t>2024/3/13</a:t>
+              <a:t>2024/4/23</a:t>
             </a:fld>
             <a:endParaRPr lang="zh-CN" altLang="en-US"/>
           </a:p>
@@ -1434,7 +1434,7 @@
           <a:p>
             <a:fld id="{6E95A165-01C6-496F-8936-852CCEC83CED}" type="datetimeFigureOut">
               <a:rPr lang="zh-CN" altLang="en-US" smtClean="0"/>
-              <a:t>2024/3/13</a:t>
+              <a:t>2024/4/23</a:t>
             </a:fld>
             <a:endParaRPr lang="zh-CN" altLang="en-US"/>
           </a:p>
@@ -1846,7 +1846,7 @@
           <a:p>
             <a:fld id="{6E95A165-01C6-496F-8936-852CCEC83CED}" type="datetimeFigureOut">
               <a:rPr lang="zh-CN" altLang="en-US" smtClean="0"/>
-              <a:t>2024/3/13</a:t>
+              <a:t>2024/4/23</a:t>
             </a:fld>
             <a:endParaRPr lang="zh-CN" altLang="en-US"/>
           </a:p>
@@ -1987,7 +1987,7 @@
           <a:p>
             <a:fld id="{6E95A165-01C6-496F-8936-852CCEC83CED}" type="datetimeFigureOut">
               <a:rPr lang="zh-CN" altLang="en-US" smtClean="0"/>
-              <a:t>2024/3/13</a:t>
+              <a:t>2024/4/23</a:t>
             </a:fld>
             <a:endParaRPr lang="zh-CN" altLang="en-US"/>
           </a:p>
@@ -2100,7 +2100,7 @@
           <a:p>
             <a:fld id="{6E95A165-01C6-496F-8936-852CCEC83CED}" type="datetimeFigureOut">
               <a:rPr lang="zh-CN" altLang="en-US" smtClean="0"/>
-              <a:t>2024/3/13</a:t>
+              <a:t>2024/4/23</a:t>
             </a:fld>
             <a:endParaRPr lang="zh-CN" altLang="en-US"/>
           </a:p>
@@ -2411,7 +2411,7 @@
           <a:p>
             <a:fld id="{6E95A165-01C6-496F-8936-852CCEC83CED}" type="datetimeFigureOut">
               <a:rPr lang="zh-CN" altLang="en-US" smtClean="0"/>
-              <a:t>2024/3/13</a:t>
+              <a:t>2024/4/23</a:t>
             </a:fld>
             <a:endParaRPr lang="zh-CN" altLang="en-US"/>
           </a:p>
@@ -2699,7 +2699,7 @@
           <a:p>
             <a:fld id="{6E95A165-01C6-496F-8936-852CCEC83CED}" type="datetimeFigureOut">
               <a:rPr lang="zh-CN" altLang="en-US" smtClean="0"/>
-              <a:t>2024/3/13</a:t>
+              <a:t>2024/4/23</a:t>
             </a:fld>
             <a:endParaRPr lang="zh-CN" altLang="en-US"/>
           </a:p>
@@ -2940,7 +2940,7 @@
           <a:p>
             <a:fld id="{6E95A165-01C6-496F-8936-852CCEC83CED}" type="datetimeFigureOut">
               <a:rPr lang="zh-CN" altLang="en-US" smtClean="0"/>
-              <a:t>2024/3/13</a:t>
+              <a:t>2024/4/23</a:t>
             </a:fld>
             <a:endParaRPr lang="zh-CN" altLang="en-US"/>
           </a:p>
@@ -4807,55 +4807,19 @@
           <a:chExt cx="0" cy="0"/>
         </a:xfrm>
       </p:grpSpPr>
-      <p:sp>
-        <p:nvSpPr>
-          <p:cNvPr id="2" name="标题 1">
-            <a:extLst>
-              <a:ext uri="{FF2B5EF4-FFF2-40B4-BE49-F238E27FC236}">
-                <a16:creationId xmlns:a16="http://schemas.microsoft.com/office/drawing/2014/main" id="{E7FA0FDA-13FB-FB65-54F6-904B50AA150B}"/>
-              </a:ext>
-            </a:extLst>
-          </p:cNvPr>
-          <p:cNvSpPr>
-            <a:spLocks noGrp="1"/>
-          </p:cNvSpPr>
-          <p:nvPr>
-            <p:ph type="title"/>
-          </p:nvPr>
-        </p:nvSpPr>
-        <p:spPr>
-          <a:xfrm>
-            <a:off x="838200" y="66675"/>
-            <a:ext cx="10515600" cy="1325563"/>
-          </a:xfrm>
-        </p:spPr>
-        <p:txBody>
-          <a:bodyPr/>
-          <a:lstStyle/>
-          <a:p>
-            <a:r>
-              <a:rPr lang="en-US" altLang="zh-CN" dirty="0"/>
-              <a:t>Full Spectrum of Molecular Scattering</a:t>
-            </a:r>
-            <a:endParaRPr lang="zh-CN" altLang="en-US" dirty="0"/>
-          </a:p>
-        </p:txBody>
-      </p:sp>
       <p:pic>
         <p:nvPicPr>
-          <p:cNvPr id="9" name="内容占位符 8">
-            <a:extLst>
-              <a:ext uri="{FF2B5EF4-FFF2-40B4-BE49-F238E27FC236}">
-                <a16:creationId xmlns:a16="http://schemas.microsoft.com/office/drawing/2014/main" id="{B06B810C-00B7-6FDB-691A-DB86ADEC5FF7}"/>
+          <p:cNvPr id="6" name="图片 5">
+            <a:extLst>
+              <a:ext uri="{FF2B5EF4-FFF2-40B4-BE49-F238E27FC236}">
+                <a16:creationId xmlns:a16="http://schemas.microsoft.com/office/drawing/2014/main" id="{D54A7011-EE1E-429A-B992-2667B1C771C3}"/>
               </a:ext>
             </a:extLst>
           </p:cNvPr>
           <p:cNvPicPr>
-            <a:picLocks noGrp="1" noChangeAspect="1"/>
+            <a:picLocks noChangeAspect="1"/>
           </p:cNvPicPr>
-          <p:nvPr>
-            <p:ph idx="1"/>
-          </p:nvPr>
+          <p:nvPr/>
         </p:nvPicPr>
         <p:blipFill>
           <a:blip r:embed="rId2">
@@ -4871,11 +4835,48 @@
         </p:blipFill>
         <p:spPr>
           <a:xfrm>
-            <a:off x="1863591" y="1464847"/>
-            <a:ext cx="8715509" cy="5132276"/>
+            <a:off x="1925570" y="1697552"/>
+            <a:ext cx="8264659" cy="4866786"/>
+          </a:xfrm>
+          <a:prstGeom prst="rect">
+            <a:avLst/>
+          </a:prstGeom>
+        </p:spPr>
+      </p:pic>
+      <p:sp>
+        <p:nvSpPr>
+          <p:cNvPr id="2" name="标题 1">
+            <a:extLst>
+              <a:ext uri="{FF2B5EF4-FFF2-40B4-BE49-F238E27FC236}">
+                <a16:creationId xmlns:a16="http://schemas.microsoft.com/office/drawing/2014/main" id="{E7FA0FDA-13FB-FB65-54F6-904B50AA150B}"/>
+              </a:ext>
+            </a:extLst>
+          </p:cNvPr>
+          <p:cNvSpPr>
+            <a:spLocks noGrp="1"/>
+          </p:cNvSpPr>
+          <p:nvPr>
+            <p:ph type="title"/>
+          </p:nvPr>
+        </p:nvSpPr>
+        <p:spPr>
+          <a:xfrm>
+            <a:off x="838200" y="66675"/>
+            <a:ext cx="10515600" cy="1325563"/>
           </a:xfrm>
         </p:spPr>
-      </p:pic>
+        <p:txBody>
+          <a:bodyPr/>
+          <a:lstStyle/>
+          <a:p>
+            <a:r>
+              <a:rPr lang="en-US" altLang="zh-CN" dirty="0"/>
+              <a:t>Full Spectrum of Molecular Scattering</a:t>
+            </a:r>
+            <a:endParaRPr lang="zh-CN" altLang="en-US" dirty="0"/>
+          </a:p>
+        </p:txBody>
+      </p:sp>
       <p:grpSp>
         <p:nvGrpSpPr>
           <p:cNvPr id="12" name="组合 11">
@@ -4890,10 +4891,10 @@
         </p:nvGrpSpPr>
         <p:grpSpPr>
           <a:xfrm>
-            <a:off x="2749550" y="1716602"/>
-            <a:ext cx="895350" cy="4271448"/>
-            <a:chOff x="2736850" y="1742002"/>
-            <a:chExt cx="895350" cy="4271448"/>
+            <a:off x="2749550" y="1859891"/>
+            <a:ext cx="895350" cy="4128158"/>
+            <a:chOff x="2736850" y="1885291"/>
+            <a:chExt cx="895350" cy="4128158"/>
           </a:xfrm>
         </p:grpSpPr>
         <p:sp>
@@ -4910,7 +4911,7 @@
           </p:nvSpPr>
           <p:spPr>
             <a:xfrm>
-              <a:off x="2786819" y="1742002"/>
+              <a:off x="2786819" y="1885291"/>
               <a:ext cx="795411" cy="307777"/>
             </a:xfrm>
             <a:prstGeom prst="rect">
@@ -4954,8 +4955,8 @@
           </p:nvSpPr>
           <p:spPr>
             <a:xfrm>
-              <a:off x="2736850" y="1993900"/>
-              <a:ext cx="895350" cy="4019550"/>
+              <a:off x="2736850" y="2147786"/>
+              <a:ext cx="895350" cy="3865663"/>
             </a:xfrm>
             <a:prstGeom prst="rect">
               <a:avLst/>
@@ -5124,7 +5125,7 @@
         </p:nvGrpSpPr>
         <p:grpSpPr>
           <a:xfrm>
-            <a:off x="9574138" y="2628900"/>
+            <a:off x="9231238" y="2628900"/>
             <a:ext cx="894798" cy="3359150"/>
             <a:chOff x="3173338" y="2588114"/>
             <a:chExt cx="894798" cy="3425336"/>
